--- a/IBM Capstone Project.pptx
+++ b/IBM Capstone Project.pptx
@@ -112,6 +112,11 @@
       </a:defRPr>
     </a:lvl9pPr>
   </p:defaultTextStyle>
+  <p:extLst>
+    <p:ext uri="{EFAFB233-063F-42B5-8137-9DF3F51BA10A}">
+      <p15:sldGuideLst xmlns:p15="http://schemas.microsoft.com/office/powerpoint/2012/main"/>
+    </p:ext>
+  </p:extLst>
 </p:presentation>
 </file>
 
@@ -4111,7 +4116,7 @@
       </p:grpSpPr>
       <p:sp useBgFill="1">
         <p:nvSpPr>
-          <p:cNvPr id="8" name="Rectangle 7">
+          <p:cNvPr id="19" name="Rectangle 14">
             <a:extLst>
               <a:ext uri="{FF2B5EF4-FFF2-40B4-BE49-F238E27FC236}">
                 <a16:creationId xmlns:a16="http://schemas.microsoft.com/office/drawing/2014/main" id="{C8DD82D3-D002-45B0-B16A-82B3DA4EFDDB}"/>
@@ -4206,7 +4211,7 @@
       </p:sp>
       <p:cxnSp>
         <p:nvCxnSpPr>
-          <p:cNvPr id="10" name="Straight Connector 9">
+          <p:cNvPr id="20" name="Straight Connector 16">
             <a:extLst>
               <a:ext uri="{FF2B5EF4-FFF2-40B4-BE49-F238E27FC236}">
                 <a16:creationId xmlns:a16="http://schemas.microsoft.com/office/drawing/2014/main" id="{9F09C252-16FE-4557-AD6D-BB5CA773496C}"/>
@@ -4432,7 +4437,7 @@
           <a:lstStyle/>
           <a:p>
             <a:r>
-              <a:rPr lang="en-IN" sz="3600"/>
+              <a:rPr lang="en-IN" sz="3600" dirty="0"/>
               <a:t>Business Problem	</a:t>
             </a:r>
           </a:p>
@@ -4520,7 +4525,7 @@
           <a:lstStyle/>
           <a:p>
             <a:r>
-              <a:rPr lang="en-IN" dirty="0"/>
+              <a:rPr lang="en-IN" sz="1800" dirty="0"/>
               <a:t>This capstone project will answer the business problem: Where would someone open an authentic Indian restaurant in the city of Amsterdam? We will select best neighbourhoods in the city of Amsterdam and using data science techniques such as clustering will answer the question.</a:t>
             </a:r>
           </a:p>
@@ -4741,10 +4746,9 @@
           <a:lstStyle/>
           <a:p>
             <a:r>
-              <a:rPr lang="en-IN"/>
+              <a:rPr lang="en-IN" sz="1800" dirty="0"/>
               <a:t>This project would be particularly helpful to people who would want to diversify their businesses or get into the food industry. Since Indian cuisines are extremely popular in the world because of its rich variety and flavours, it would be worth the risk as Amsterdam is bustling with tourists throughout the year. As per a recent report issued by Euromonitor, the restaurant business sector in Netherlands was one of the prolific economic segments in 2015 and 2016. The two main factors contributing to the development of the food sector were: the steady economic growth of Netherlands and the higher consumer confidence.</a:t>
             </a:r>
-            <a:endParaRPr lang="en-IN" dirty="0"/>
           </a:p>
         </p:txBody>
       </p:sp>
@@ -6105,10 +6109,9 @@
           <a:lstStyle/>
           <a:p>
             <a:r>
-              <a:rPr lang="en-IN" dirty="0"/>
+              <a:rPr lang="en-IN" sz="1800" dirty="0"/>
               <a:t>I had specifically chosen Indian restaurants because of the crowd it can pull. Of-course there are other cuisines one can choose for analysis and decision making. Nevertheless, we can also include rating of each Indian restaurant to add more value to the analysis and may be if ratings are low, someone can actually open a good Indian restaurant. I have also not considered other venue categories such as Shopping Mall, Grocery store, Hotels, Museums etc which can also help in determining whether a restaurant can be open in that neighbourhood.</a:t>
             </a:r>
-            <a:endParaRPr lang="en-IN"/>
           </a:p>
         </p:txBody>
       </p:sp>
